--- a/ppt 16-9/1033.祂已做成了.pptx
+++ b/ppt 16-9/1033.祂已做成了.pptx
@@ -5,7 +5,7 @@
     <p:sldMasterId id="2147483648" r:id="rId1"/>
   </p:sldMasterIdLst>
   <p:sldIdLst>
-    <p:sldId id="462" r:id="rId2"/>
+    <p:sldId id="463" r:id="rId2"/>
   </p:sldIdLst>
   <p:sldSz cx="12192000" cy="6858000"/>
   <p:notesSz cx="6858000" cy="9144000"/>
@@ -129,7 +129,7 @@
           <p:cNvPr id="2" name="标题 1">
             <a:extLst>
               <a:ext uri="{FF2B5EF4-FFF2-40B4-BE49-F238E27FC236}">
-                <a16:creationId xmlns:a16="http://schemas.microsoft.com/office/drawing/2014/main" id="{9DE71648-6A36-96C1-7800-C457124E7167}"/>
+                <a16:creationId xmlns:a16="http://schemas.microsoft.com/office/drawing/2014/main" id="{0CD1D00A-6EC2-5B12-28E4-8BC1E0D5185E}"/>
               </a:ext>
             </a:extLst>
           </p:cNvPr>
@@ -166,7 +166,7 @@
           <p:cNvPr id="3" name="副标题 2">
             <a:extLst>
               <a:ext uri="{FF2B5EF4-FFF2-40B4-BE49-F238E27FC236}">
-                <a16:creationId xmlns:a16="http://schemas.microsoft.com/office/drawing/2014/main" id="{8494C3E9-E28C-62C1-F3F0-5809BD4D6501}"/>
+                <a16:creationId xmlns:a16="http://schemas.microsoft.com/office/drawing/2014/main" id="{165BD28B-F4D0-4D82-7C18-3AA6357E3277}"/>
               </a:ext>
             </a:extLst>
           </p:cNvPr>
@@ -236,7 +236,7 @@
           <p:cNvPr id="4" name="日期占位符 3">
             <a:extLst>
               <a:ext uri="{FF2B5EF4-FFF2-40B4-BE49-F238E27FC236}">
-                <a16:creationId xmlns:a16="http://schemas.microsoft.com/office/drawing/2014/main" id="{AC00045D-B7EC-A5CA-1E9D-3E6EB203176C}"/>
+                <a16:creationId xmlns:a16="http://schemas.microsoft.com/office/drawing/2014/main" id="{6BE328BA-0D41-7CEC-C363-221A35B3991E}"/>
               </a:ext>
             </a:extLst>
           </p:cNvPr>
@@ -252,7 +252,7 @@
           <a:bodyPr/>
           <a:lstStyle/>
           <a:p>
-            <a:fld id="{D5D8D6EE-DD9E-4594-8198-AB67CB7E5207}" type="datetimeFigureOut">
+            <a:fld id="{28EC7AD0-6A69-4662-A3C5-8C897E88436D}" type="datetimeFigureOut">
               <a:rPr lang="zh-CN" altLang="en-US" smtClean="0"/>
               <a:t>2024/3/10</a:t>
             </a:fld>
@@ -265,7 +265,7 @@
           <p:cNvPr id="5" name="页脚占位符 4">
             <a:extLst>
               <a:ext uri="{FF2B5EF4-FFF2-40B4-BE49-F238E27FC236}">
-                <a16:creationId xmlns:a16="http://schemas.microsoft.com/office/drawing/2014/main" id="{7A1A6287-926D-90C5-0878-A4A2A0A937C9}"/>
+                <a16:creationId xmlns:a16="http://schemas.microsoft.com/office/drawing/2014/main" id="{D15A2E0E-629C-48C6-9D34-814834DA1BA3}"/>
               </a:ext>
             </a:extLst>
           </p:cNvPr>
@@ -290,7 +290,7 @@
           <p:cNvPr id="6" name="灯片编号占位符 5">
             <a:extLst>
               <a:ext uri="{FF2B5EF4-FFF2-40B4-BE49-F238E27FC236}">
-                <a16:creationId xmlns:a16="http://schemas.microsoft.com/office/drawing/2014/main" id="{79AFACF3-4A7D-CA79-F83B-ADB5B0CA967E}"/>
+                <a16:creationId xmlns:a16="http://schemas.microsoft.com/office/drawing/2014/main" id="{99B41D78-5365-8467-423F-F9E8ED2BCDC9}"/>
               </a:ext>
             </a:extLst>
           </p:cNvPr>
@@ -306,7 +306,7 @@
           <a:bodyPr/>
           <a:lstStyle/>
           <a:p>
-            <a:fld id="{B3810E85-B779-4BB3-AC85-EDA61735E372}" type="slidenum">
+            <a:fld id="{A9E7F4FB-A0F2-471D-9FC0-CF0F8AB5BF0D}" type="slidenum">
               <a:rPr lang="zh-CN" altLang="en-US" smtClean="0"/>
               <a:t>‹#›</a:t>
             </a:fld>
@@ -317,7 +317,7 @@
     </p:spTree>
     <p:extLst>
       <p:ext uri="{BB962C8B-B14F-4D97-AF65-F5344CB8AC3E}">
-        <p14:creationId xmlns:p14="http://schemas.microsoft.com/office/powerpoint/2010/main" val="4148046306"/>
+        <p14:creationId xmlns:p14="http://schemas.microsoft.com/office/powerpoint/2010/main" val="3209942128"/>
       </p:ext>
     </p:extLst>
   </p:cSld>
@@ -349,7 +349,7 @@
           <p:cNvPr id="2" name="标题 1">
             <a:extLst>
               <a:ext uri="{FF2B5EF4-FFF2-40B4-BE49-F238E27FC236}">
-                <a16:creationId xmlns:a16="http://schemas.microsoft.com/office/drawing/2014/main" id="{6653AA3B-0539-109D-7AE2-85FCA52F7785}"/>
+                <a16:creationId xmlns:a16="http://schemas.microsoft.com/office/drawing/2014/main" id="{68CD5E06-B338-10C6-36EB-42A36E003FF7}"/>
               </a:ext>
             </a:extLst>
           </p:cNvPr>
@@ -377,7 +377,7 @@
           <p:cNvPr id="3" name="竖排文字占位符 2">
             <a:extLst>
               <a:ext uri="{FF2B5EF4-FFF2-40B4-BE49-F238E27FC236}">
-                <a16:creationId xmlns:a16="http://schemas.microsoft.com/office/drawing/2014/main" id="{D3329C48-3AE4-8CA8-01BF-F29956FC74C9}"/>
+                <a16:creationId xmlns:a16="http://schemas.microsoft.com/office/drawing/2014/main" id="{6E7A5E3F-6475-73B8-A9C5-0E99B12A6ECD}"/>
               </a:ext>
             </a:extLst>
           </p:cNvPr>
@@ -434,7 +434,7 @@
           <p:cNvPr id="4" name="日期占位符 3">
             <a:extLst>
               <a:ext uri="{FF2B5EF4-FFF2-40B4-BE49-F238E27FC236}">
-                <a16:creationId xmlns:a16="http://schemas.microsoft.com/office/drawing/2014/main" id="{54CAC37B-EF0A-A573-CC22-9C77F0EDA88D}"/>
+                <a16:creationId xmlns:a16="http://schemas.microsoft.com/office/drawing/2014/main" id="{09EADBF7-6F82-2480-CBE5-3C29841B2177}"/>
               </a:ext>
             </a:extLst>
           </p:cNvPr>
@@ -450,7 +450,7 @@
           <a:bodyPr/>
           <a:lstStyle/>
           <a:p>
-            <a:fld id="{D5D8D6EE-DD9E-4594-8198-AB67CB7E5207}" type="datetimeFigureOut">
+            <a:fld id="{28EC7AD0-6A69-4662-A3C5-8C897E88436D}" type="datetimeFigureOut">
               <a:rPr lang="zh-CN" altLang="en-US" smtClean="0"/>
               <a:t>2024/3/10</a:t>
             </a:fld>
@@ -463,7 +463,7 @@
           <p:cNvPr id="5" name="页脚占位符 4">
             <a:extLst>
               <a:ext uri="{FF2B5EF4-FFF2-40B4-BE49-F238E27FC236}">
-                <a16:creationId xmlns:a16="http://schemas.microsoft.com/office/drawing/2014/main" id="{20D2B4E1-F930-E02A-9407-FBA10A9BC2B5}"/>
+                <a16:creationId xmlns:a16="http://schemas.microsoft.com/office/drawing/2014/main" id="{5DA3B226-F45A-5EB8-23B5-675B06A9E6A0}"/>
               </a:ext>
             </a:extLst>
           </p:cNvPr>
@@ -488,7 +488,7 @@
           <p:cNvPr id="6" name="灯片编号占位符 5">
             <a:extLst>
               <a:ext uri="{FF2B5EF4-FFF2-40B4-BE49-F238E27FC236}">
-                <a16:creationId xmlns:a16="http://schemas.microsoft.com/office/drawing/2014/main" id="{6A05CEB6-1410-040B-7D08-A98D60E68ED1}"/>
+                <a16:creationId xmlns:a16="http://schemas.microsoft.com/office/drawing/2014/main" id="{8E9F36B4-EE75-A993-FEA5-5DC76778B1FA}"/>
               </a:ext>
             </a:extLst>
           </p:cNvPr>
@@ -504,7 +504,7 @@
           <a:bodyPr/>
           <a:lstStyle/>
           <a:p>
-            <a:fld id="{B3810E85-B779-4BB3-AC85-EDA61735E372}" type="slidenum">
+            <a:fld id="{A9E7F4FB-A0F2-471D-9FC0-CF0F8AB5BF0D}" type="slidenum">
               <a:rPr lang="zh-CN" altLang="en-US" smtClean="0"/>
               <a:t>‹#›</a:t>
             </a:fld>
@@ -515,7 +515,7 @@
     </p:spTree>
     <p:extLst>
       <p:ext uri="{BB962C8B-B14F-4D97-AF65-F5344CB8AC3E}">
-        <p14:creationId xmlns:p14="http://schemas.microsoft.com/office/powerpoint/2010/main" val="3510766656"/>
+        <p14:creationId xmlns:p14="http://schemas.microsoft.com/office/powerpoint/2010/main" val="4257383976"/>
       </p:ext>
     </p:extLst>
   </p:cSld>
@@ -547,7 +547,7 @@
           <p:cNvPr id="2" name="竖排标题 1">
             <a:extLst>
               <a:ext uri="{FF2B5EF4-FFF2-40B4-BE49-F238E27FC236}">
-                <a16:creationId xmlns:a16="http://schemas.microsoft.com/office/drawing/2014/main" id="{6A3B625E-9686-E784-198F-688E9683482C}"/>
+                <a16:creationId xmlns:a16="http://schemas.microsoft.com/office/drawing/2014/main" id="{22B1A758-D5A0-7B13-6978-30446998A721}"/>
               </a:ext>
             </a:extLst>
           </p:cNvPr>
@@ -580,7 +580,7 @@
           <p:cNvPr id="3" name="竖排文字占位符 2">
             <a:extLst>
               <a:ext uri="{FF2B5EF4-FFF2-40B4-BE49-F238E27FC236}">
-                <a16:creationId xmlns:a16="http://schemas.microsoft.com/office/drawing/2014/main" id="{6B35F4BB-21DC-7861-3587-195CE461476A}"/>
+                <a16:creationId xmlns:a16="http://schemas.microsoft.com/office/drawing/2014/main" id="{C34604DD-DE06-F10E-6BE4-1938848A6814}"/>
               </a:ext>
             </a:extLst>
           </p:cNvPr>
@@ -642,7 +642,7 @@
           <p:cNvPr id="4" name="日期占位符 3">
             <a:extLst>
               <a:ext uri="{FF2B5EF4-FFF2-40B4-BE49-F238E27FC236}">
-                <a16:creationId xmlns:a16="http://schemas.microsoft.com/office/drawing/2014/main" id="{9FCDB83C-3A4B-0F45-8B67-AAE7D5BD6D28}"/>
+                <a16:creationId xmlns:a16="http://schemas.microsoft.com/office/drawing/2014/main" id="{6DD5BD48-ACC3-C191-27FC-7B4033DB2A24}"/>
               </a:ext>
             </a:extLst>
           </p:cNvPr>
@@ -658,7 +658,7 @@
           <a:bodyPr/>
           <a:lstStyle/>
           <a:p>
-            <a:fld id="{D5D8D6EE-DD9E-4594-8198-AB67CB7E5207}" type="datetimeFigureOut">
+            <a:fld id="{28EC7AD0-6A69-4662-A3C5-8C897E88436D}" type="datetimeFigureOut">
               <a:rPr lang="zh-CN" altLang="en-US" smtClean="0"/>
               <a:t>2024/3/10</a:t>
             </a:fld>
@@ -671,7 +671,7 @@
           <p:cNvPr id="5" name="页脚占位符 4">
             <a:extLst>
               <a:ext uri="{FF2B5EF4-FFF2-40B4-BE49-F238E27FC236}">
-                <a16:creationId xmlns:a16="http://schemas.microsoft.com/office/drawing/2014/main" id="{4F2D6BBF-3F49-ADFB-3D3B-E303DE4E1FFC}"/>
+                <a16:creationId xmlns:a16="http://schemas.microsoft.com/office/drawing/2014/main" id="{D80D74DE-BB19-3B47-93EB-B56D6764EDED}"/>
               </a:ext>
             </a:extLst>
           </p:cNvPr>
@@ -696,7 +696,7 @@
           <p:cNvPr id="6" name="灯片编号占位符 5">
             <a:extLst>
               <a:ext uri="{FF2B5EF4-FFF2-40B4-BE49-F238E27FC236}">
-                <a16:creationId xmlns:a16="http://schemas.microsoft.com/office/drawing/2014/main" id="{24C1B35C-34FA-3CB9-6C96-83F0A4CC615C}"/>
+                <a16:creationId xmlns:a16="http://schemas.microsoft.com/office/drawing/2014/main" id="{03B5F032-F121-0DA3-4CAD-B191EB2D501A}"/>
               </a:ext>
             </a:extLst>
           </p:cNvPr>
@@ -712,7 +712,7 @@
           <a:bodyPr/>
           <a:lstStyle/>
           <a:p>
-            <a:fld id="{B3810E85-B779-4BB3-AC85-EDA61735E372}" type="slidenum">
+            <a:fld id="{A9E7F4FB-A0F2-471D-9FC0-CF0F8AB5BF0D}" type="slidenum">
               <a:rPr lang="zh-CN" altLang="en-US" smtClean="0"/>
               <a:t>‹#›</a:t>
             </a:fld>
@@ -723,7 +723,7 @@
     </p:spTree>
     <p:extLst>
       <p:ext uri="{BB962C8B-B14F-4D97-AF65-F5344CB8AC3E}">
-        <p14:creationId xmlns:p14="http://schemas.microsoft.com/office/powerpoint/2010/main" val="3634282301"/>
+        <p14:creationId xmlns:p14="http://schemas.microsoft.com/office/powerpoint/2010/main" val="2165438802"/>
       </p:ext>
     </p:extLst>
   </p:cSld>
@@ -755,7 +755,7 @@
           <p:cNvPr id="2" name="标题 1">
             <a:extLst>
               <a:ext uri="{FF2B5EF4-FFF2-40B4-BE49-F238E27FC236}">
-                <a16:creationId xmlns:a16="http://schemas.microsoft.com/office/drawing/2014/main" id="{E4542D07-3A49-3208-456A-841C10036D33}"/>
+                <a16:creationId xmlns:a16="http://schemas.microsoft.com/office/drawing/2014/main" id="{0C6B9F5A-84D2-51E1-51D9-C289EA20BB5F}"/>
               </a:ext>
             </a:extLst>
           </p:cNvPr>
@@ -783,7 +783,7 @@
           <p:cNvPr id="3" name="内容占位符 2">
             <a:extLst>
               <a:ext uri="{FF2B5EF4-FFF2-40B4-BE49-F238E27FC236}">
-                <a16:creationId xmlns:a16="http://schemas.microsoft.com/office/drawing/2014/main" id="{548AAFB3-51A3-3D87-F29E-D8B93E5171E2}"/>
+                <a16:creationId xmlns:a16="http://schemas.microsoft.com/office/drawing/2014/main" id="{38EC9C27-9EA8-E623-20F9-CEFBB53D4F71}"/>
               </a:ext>
             </a:extLst>
           </p:cNvPr>
@@ -840,7 +840,7 @@
           <p:cNvPr id="4" name="日期占位符 3">
             <a:extLst>
               <a:ext uri="{FF2B5EF4-FFF2-40B4-BE49-F238E27FC236}">
-                <a16:creationId xmlns:a16="http://schemas.microsoft.com/office/drawing/2014/main" id="{AA033BD0-8817-8D5B-C0D1-645B51ABBE57}"/>
+                <a16:creationId xmlns:a16="http://schemas.microsoft.com/office/drawing/2014/main" id="{E621D002-BBB0-6A24-4C8E-BCBDACAAD89E}"/>
               </a:ext>
             </a:extLst>
           </p:cNvPr>
@@ -856,7 +856,7 @@
           <a:bodyPr/>
           <a:lstStyle/>
           <a:p>
-            <a:fld id="{D5D8D6EE-DD9E-4594-8198-AB67CB7E5207}" type="datetimeFigureOut">
+            <a:fld id="{28EC7AD0-6A69-4662-A3C5-8C897E88436D}" type="datetimeFigureOut">
               <a:rPr lang="zh-CN" altLang="en-US" smtClean="0"/>
               <a:t>2024/3/10</a:t>
             </a:fld>
@@ -869,7 +869,7 @@
           <p:cNvPr id="5" name="页脚占位符 4">
             <a:extLst>
               <a:ext uri="{FF2B5EF4-FFF2-40B4-BE49-F238E27FC236}">
-                <a16:creationId xmlns:a16="http://schemas.microsoft.com/office/drawing/2014/main" id="{E907A7CD-1D9D-2EBA-33A8-68FF034DAA0E}"/>
+                <a16:creationId xmlns:a16="http://schemas.microsoft.com/office/drawing/2014/main" id="{E6909193-537A-A3CB-6675-388A1C8954F0}"/>
               </a:ext>
             </a:extLst>
           </p:cNvPr>
@@ -894,7 +894,7 @@
           <p:cNvPr id="6" name="灯片编号占位符 5">
             <a:extLst>
               <a:ext uri="{FF2B5EF4-FFF2-40B4-BE49-F238E27FC236}">
-                <a16:creationId xmlns:a16="http://schemas.microsoft.com/office/drawing/2014/main" id="{65E76598-D1D9-491F-D9D0-1FD6BEB9D991}"/>
+                <a16:creationId xmlns:a16="http://schemas.microsoft.com/office/drawing/2014/main" id="{334BA638-7149-6AD7-F408-55EE3069CEA2}"/>
               </a:ext>
             </a:extLst>
           </p:cNvPr>
@@ -910,7 +910,7 @@
           <a:bodyPr/>
           <a:lstStyle/>
           <a:p>
-            <a:fld id="{B3810E85-B779-4BB3-AC85-EDA61735E372}" type="slidenum">
+            <a:fld id="{A9E7F4FB-A0F2-471D-9FC0-CF0F8AB5BF0D}" type="slidenum">
               <a:rPr lang="zh-CN" altLang="en-US" smtClean="0"/>
               <a:t>‹#›</a:t>
             </a:fld>
@@ -921,7 +921,7 @@
     </p:spTree>
     <p:extLst>
       <p:ext uri="{BB962C8B-B14F-4D97-AF65-F5344CB8AC3E}">
-        <p14:creationId xmlns:p14="http://schemas.microsoft.com/office/powerpoint/2010/main" val="1187884165"/>
+        <p14:creationId xmlns:p14="http://schemas.microsoft.com/office/powerpoint/2010/main" val="2507122131"/>
       </p:ext>
     </p:extLst>
   </p:cSld>
@@ -953,7 +953,7 @@
           <p:cNvPr id="2" name="标题 1">
             <a:extLst>
               <a:ext uri="{FF2B5EF4-FFF2-40B4-BE49-F238E27FC236}">
-                <a16:creationId xmlns:a16="http://schemas.microsoft.com/office/drawing/2014/main" id="{8DB51E11-E114-497B-5016-730024F2D0B3}"/>
+                <a16:creationId xmlns:a16="http://schemas.microsoft.com/office/drawing/2014/main" id="{60A30921-D0E2-3605-C3A6-869F0696624E}"/>
               </a:ext>
             </a:extLst>
           </p:cNvPr>
@@ -990,7 +990,7 @@
           <p:cNvPr id="3" name="文本占位符 2">
             <a:extLst>
               <a:ext uri="{FF2B5EF4-FFF2-40B4-BE49-F238E27FC236}">
-                <a16:creationId xmlns:a16="http://schemas.microsoft.com/office/drawing/2014/main" id="{148DA518-242B-B828-8CDB-EB67DEF338FC}"/>
+                <a16:creationId xmlns:a16="http://schemas.microsoft.com/office/drawing/2014/main" id="{4C5B09C2-AD69-C779-273E-CB96088E8A96}"/>
               </a:ext>
             </a:extLst>
           </p:cNvPr>
@@ -1115,7 +1115,7 @@
           <p:cNvPr id="4" name="日期占位符 3">
             <a:extLst>
               <a:ext uri="{FF2B5EF4-FFF2-40B4-BE49-F238E27FC236}">
-                <a16:creationId xmlns:a16="http://schemas.microsoft.com/office/drawing/2014/main" id="{8C77CBD3-66E2-A063-2AB1-C8738EF3A778}"/>
+                <a16:creationId xmlns:a16="http://schemas.microsoft.com/office/drawing/2014/main" id="{86A5842E-C63A-2E27-5725-1BE9FB45CF49}"/>
               </a:ext>
             </a:extLst>
           </p:cNvPr>
@@ -1131,7 +1131,7 @@
           <a:bodyPr/>
           <a:lstStyle/>
           <a:p>
-            <a:fld id="{D5D8D6EE-DD9E-4594-8198-AB67CB7E5207}" type="datetimeFigureOut">
+            <a:fld id="{28EC7AD0-6A69-4662-A3C5-8C897E88436D}" type="datetimeFigureOut">
               <a:rPr lang="zh-CN" altLang="en-US" smtClean="0"/>
               <a:t>2024/3/10</a:t>
             </a:fld>
@@ -1144,7 +1144,7 @@
           <p:cNvPr id="5" name="页脚占位符 4">
             <a:extLst>
               <a:ext uri="{FF2B5EF4-FFF2-40B4-BE49-F238E27FC236}">
-                <a16:creationId xmlns:a16="http://schemas.microsoft.com/office/drawing/2014/main" id="{217C9C4C-D31D-6F8C-D13D-762A4252EFE4}"/>
+                <a16:creationId xmlns:a16="http://schemas.microsoft.com/office/drawing/2014/main" id="{3CB7CCBA-A7C0-703D-1D76-1796C6A1200E}"/>
               </a:ext>
             </a:extLst>
           </p:cNvPr>
@@ -1169,7 +1169,7 @@
           <p:cNvPr id="6" name="灯片编号占位符 5">
             <a:extLst>
               <a:ext uri="{FF2B5EF4-FFF2-40B4-BE49-F238E27FC236}">
-                <a16:creationId xmlns:a16="http://schemas.microsoft.com/office/drawing/2014/main" id="{4265F3D2-96A2-D025-8EFC-35E5565418E0}"/>
+                <a16:creationId xmlns:a16="http://schemas.microsoft.com/office/drawing/2014/main" id="{F543F70C-6402-DB9C-5F1B-7789EC27E40B}"/>
               </a:ext>
             </a:extLst>
           </p:cNvPr>
@@ -1185,7 +1185,7 @@
           <a:bodyPr/>
           <a:lstStyle/>
           <a:p>
-            <a:fld id="{B3810E85-B779-4BB3-AC85-EDA61735E372}" type="slidenum">
+            <a:fld id="{A9E7F4FB-A0F2-471D-9FC0-CF0F8AB5BF0D}" type="slidenum">
               <a:rPr lang="zh-CN" altLang="en-US" smtClean="0"/>
               <a:t>‹#›</a:t>
             </a:fld>
@@ -1196,7 +1196,7 @@
     </p:spTree>
     <p:extLst>
       <p:ext uri="{BB962C8B-B14F-4D97-AF65-F5344CB8AC3E}">
-        <p14:creationId xmlns:p14="http://schemas.microsoft.com/office/powerpoint/2010/main" val="1937009044"/>
+        <p14:creationId xmlns:p14="http://schemas.microsoft.com/office/powerpoint/2010/main" val="1085372274"/>
       </p:ext>
     </p:extLst>
   </p:cSld>
@@ -1228,7 +1228,7 @@
           <p:cNvPr id="2" name="标题 1">
             <a:extLst>
               <a:ext uri="{FF2B5EF4-FFF2-40B4-BE49-F238E27FC236}">
-                <a16:creationId xmlns:a16="http://schemas.microsoft.com/office/drawing/2014/main" id="{F9116C68-EC6B-606A-A953-C15ADB5427B0}"/>
+                <a16:creationId xmlns:a16="http://schemas.microsoft.com/office/drawing/2014/main" id="{D41E9D39-EDE2-50FB-28A1-0FC10F6829D7}"/>
               </a:ext>
             </a:extLst>
           </p:cNvPr>
@@ -1256,7 +1256,7 @@
           <p:cNvPr id="3" name="内容占位符 2">
             <a:extLst>
               <a:ext uri="{FF2B5EF4-FFF2-40B4-BE49-F238E27FC236}">
-                <a16:creationId xmlns:a16="http://schemas.microsoft.com/office/drawing/2014/main" id="{2D51AB48-CA58-F5FE-B1BA-3634B0D822D9}"/>
+                <a16:creationId xmlns:a16="http://schemas.microsoft.com/office/drawing/2014/main" id="{AE02030A-B62E-E4E1-B61C-16E0BF8C39BC}"/>
               </a:ext>
             </a:extLst>
           </p:cNvPr>
@@ -1318,7 +1318,7 @@
           <p:cNvPr id="4" name="内容占位符 3">
             <a:extLst>
               <a:ext uri="{FF2B5EF4-FFF2-40B4-BE49-F238E27FC236}">
-                <a16:creationId xmlns:a16="http://schemas.microsoft.com/office/drawing/2014/main" id="{D9B927F8-0F5B-0DC2-EA91-DEF09A6AC506}"/>
+                <a16:creationId xmlns:a16="http://schemas.microsoft.com/office/drawing/2014/main" id="{CCB75DCE-0FD8-3006-AE5F-9F1BB206EA35}"/>
               </a:ext>
             </a:extLst>
           </p:cNvPr>
@@ -1380,7 +1380,7 @@
           <p:cNvPr id="5" name="日期占位符 4">
             <a:extLst>
               <a:ext uri="{FF2B5EF4-FFF2-40B4-BE49-F238E27FC236}">
-                <a16:creationId xmlns:a16="http://schemas.microsoft.com/office/drawing/2014/main" id="{3594763B-DEBA-416A-7D69-203A29E124B2}"/>
+                <a16:creationId xmlns:a16="http://schemas.microsoft.com/office/drawing/2014/main" id="{E133C858-5A76-B734-7AAA-B61843D8CFD8}"/>
               </a:ext>
             </a:extLst>
           </p:cNvPr>
@@ -1396,7 +1396,7 @@
           <a:bodyPr/>
           <a:lstStyle/>
           <a:p>
-            <a:fld id="{D5D8D6EE-DD9E-4594-8198-AB67CB7E5207}" type="datetimeFigureOut">
+            <a:fld id="{28EC7AD0-6A69-4662-A3C5-8C897E88436D}" type="datetimeFigureOut">
               <a:rPr lang="zh-CN" altLang="en-US" smtClean="0"/>
               <a:t>2024/3/10</a:t>
             </a:fld>
@@ -1409,7 +1409,7 @@
           <p:cNvPr id="6" name="页脚占位符 5">
             <a:extLst>
               <a:ext uri="{FF2B5EF4-FFF2-40B4-BE49-F238E27FC236}">
-                <a16:creationId xmlns:a16="http://schemas.microsoft.com/office/drawing/2014/main" id="{6BEE2AE0-CB3E-85F9-F0F6-567A3584202A}"/>
+                <a16:creationId xmlns:a16="http://schemas.microsoft.com/office/drawing/2014/main" id="{8C5B1B41-222C-C68F-3E9F-9274B7470EFA}"/>
               </a:ext>
             </a:extLst>
           </p:cNvPr>
@@ -1434,7 +1434,7 @@
           <p:cNvPr id="7" name="灯片编号占位符 6">
             <a:extLst>
               <a:ext uri="{FF2B5EF4-FFF2-40B4-BE49-F238E27FC236}">
-                <a16:creationId xmlns:a16="http://schemas.microsoft.com/office/drawing/2014/main" id="{F6524AA5-1D4F-9693-A8C7-C5B5D246F04B}"/>
+                <a16:creationId xmlns:a16="http://schemas.microsoft.com/office/drawing/2014/main" id="{633026E7-E85D-E70B-8CA8-81F0313B3311}"/>
               </a:ext>
             </a:extLst>
           </p:cNvPr>
@@ -1450,7 +1450,7 @@
           <a:bodyPr/>
           <a:lstStyle/>
           <a:p>
-            <a:fld id="{B3810E85-B779-4BB3-AC85-EDA61735E372}" type="slidenum">
+            <a:fld id="{A9E7F4FB-A0F2-471D-9FC0-CF0F8AB5BF0D}" type="slidenum">
               <a:rPr lang="zh-CN" altLang="en-US" smtClean="0"/>
               <a:t>‹#›</a:t>
             </a:fld>
@@ -1461,7 +1461,7 @@
     </p:spTree>
     <p:extLst>
       <p:ext uri="{BB962C8B-B14F-4D97-AF65-F5344CB8AC3E}">
-        <p14:creationId xmlns:p14="http://schemas.microsoft.com/office/powerpoint/2010/main" val="1583618474"/>
+        <p14:creationId xmlns:p14="http://schemas.microsoft.com/office/powerpoint/2010/main" val="21548865"/>
       </p:ext>
     </p:extLst>
   </p:cSld>
@@ -1493,7 +1493,7 @@
           <p:cNvPr id="2" name="标题 1">
             <a:extLst>
               <a:ext uri="{FF2B5EF4-FFF2-40B4-BE49-F238E27FC236}">
-                <a16:creationId xmlns:a16="http://schemas.microsoft.com/office/drawing/2014/main" id="{055F632B-0A9F-13CC-D8FB-A81A91D6E861}"/>
+                <a16:creationId xmlns:a16="http://schemas.microsoft.com/office/drawing/2014/main" id="{EA6AC298-B470-EA5C-244D-80EC0788EF31}"/>
               </a:ext>
             </a:extLst>
           </p:cNvPr>
@@ -1526,7 +1526,7 @@
           <p:cNvPr id="3" name="文本占位符 2">
             <a:extLst>
               <a:ext uri="{FF2B5EF4-FFF2-40B4-BE49-F238E27FC236}">
-                <a16:creationId xmlns:a16="http://schemas.microsoft.com/office/drawing/2014/main" id="{5A69B930-4D33-7D57-E878-F9877E1F4C93}"/>
+                <a16:creationId xmlns:a16="http://schemas.microsoft.com/office/drawing/2014/main" id="{B24057D9-E7D8-11D2-390B-A4F9AF58D622}"/>
               </a:ext>
             </a:extLst>
           </p:cNvPr>
@@ -1597,7 +1597,7 @@
           <p:cNvPr id="4" name="内容占位符 3">
             <a:extLst>
               <a:ext uri="{FF2B5EF4-FFF2-40B4-BE49-F238E27FC236}">
-                <a16:creationId xmlns:a16="http://schemas.microsoft.com/office/drawing/2014/main" id="{0580B310-CC7E-8BC2-8385-5762DD4D135F}"/>
+                <a16:creationId xmlns:a16="http://schemas.microsoft.com/office/drawing/2014/main" id="{2C38093F-DE63-D24C-06F2-F66AB3973F93}"/>
               </a:ext>
             </a:extLst>
           </p:cNvPr>
@@ -1659,7 +1659,7 @@
           <p:cNvPr id="5" name="文本占位符 4">
             <a:extLst>
               <a:ext uri="{FF2B5EF4-FFF2-40B4-BE49-F238E27FC236}">
-                <a16:creationId xmlns:a16="http://schemas.microsoft.com/office/drawing/2014/main" id="{0868ECA4-D87E-E358-5054-2C2EA23DAFCE}"/>
+                <a16:creationId xmlns:a16="http://schemas.microsoft.com/office/drawing/2014/main" id="{F83DBDCA-9FE9-ED36-C4BB-0298D1D45B42}"/>
               </a:ext>
             </a:extLst>
           </p:cNvPr>
@@ -1730,7 +1730,7 @@
           <p:cNvPr id="6" name="内容占位符 5">
             <a:extLst>
               <a:ext uri="{FF2B5EF4-FFF2-40B4-BE49-F238E27FC236}">
-                <a16:creationId xmlns:a16="http://schemas.microsoft.com/office/drawing/2014/main" id="{62DDA2BE-09CF-99AF-5BEF-A37D72D5EAB5}"/>
+                <a16:creationId xmlns:a16="http://schemas.microsoft.com/office/drawing/2014/main" id="{31865524-603C-8103-1E0A-DFCE356A85A4}"/>
               </a:ext>
             </a:extLst>
           </p:cNvPr>
@@ -1792,7 +1792,7 @@
           <p:cNvPr id="7" name="日期占位符 6">
             <a:extLst>
               <a:ext uri="{FF2B5EF4-FFF2-40B4-BE49-F238E27FC236}">
-                <a16:creationId xmlns:a16="http://schemas.microsoft.com/office/drawing/2014/main" id="{32236A7D-1DC5-6D73-E3DD-1360AE3CDA51}"/>
+                <a16:creationId xmlns:a16="http://schemas.microsoft.com/office/drawing/2014/main" id="{349055FF-25FD-679A-1F01-0DBB7A22F374}"/>
               </a:ext>
             </a:extLst>
           </p:cNvPr>
@@ -1808,7 +1808,7 @@
           <a:bodyPr/>
           <a:lstStyle/>
           <a:p>
-            <a:fld id="{D5D8D6EE-DD9E-4594-8198-AB67CB7E5207}" type="datetimeFigureOut">
+            <a:fld id="{28EC7AD0-6A69-4662-A3C5-8C897E88436D}" type="datetimeFigureOut">
               <a:rPr lang="zh-CN" altLang="en-US" smtClean="0"/>
               <a:t>2024/3/10</a:t>
             </a:fld>
@@ -1821,7 +1821,7 @@
           <p:cNvPr id="8" name="页脚占位符 7">
             <a:extLst>
               <a:ext uri="{FF2B5EF4-FFF2-40B4-BE49-F238E27FC236}">
-                <a16:creationId xmlns:a16="http://schemas.microsoft.com/office/drawing/2014/main" id="{FC1CDD54-5807-8C4C-E210-B458308B95B8}"/>
+                <a16:creationId xmlns:a16="http://schemas.microsoft.com/office/drawing/2014/main" id="{DC053B8A-9FC7-04ED-5414-0A2FC068880F}"/>
               </a:ext>
             </a:extLst>
           </p:cNvPr>
@@ -1846,7 +1846,7 @@
           <p:cNvPr id="9" name="灯片编号占位符 8">
             <a:extLst>
               <a:ext uri="{FF2B5EF4-FFF2-40B4-BE49-F238E27FC236}">
-                <a16:creationId xmlns:a16="http://schemas.microsoft.com/office/drawing/2014/main" id="{42DEC4E2-7918-7374-89C9-D997D7805650}"/>
+                <a16:creationId xmlns:a16="http://schemas.microsoft.com/office/drawing/2014/main" id="{1E42DEDF-9970-83BA-36B8-D5569CF73C46}"/>
               </a:ext>
             </a:extLst>
           </p:cNvPr>
@@ -1862,7 +1862,7 @@
           <a:bodyPr/>
           <a:lstStyle/>
           <a:p>
-            <a:fld id="{B3810E85-B779-4BB3-AC85-EDA61735E372}" type="slidenum">
+            <a:fld id="{A9E7F4FB-A0F2-471D-9FC0-CF0F8AB5BF0D}" type="slidenum">
               <a:rPr lang="zh-CN" altLang="en-US" smtClean="0"/>
               <a:t>‹#›</a:t>
             </a:fld>
@@ -1873,7 +1873,7 @@
     </p:spTree>
     <p:extLst>
       <p:ext uri="{BB962C8B-B14F-4D97-AF65-F5344CB8AC3E}">
-        <p14:creationId xmlns:p14="http://schemas.microsoft.com/office/powerpoint/2010/main" val="711954291"/>
+        <p14:creationId xmlns:p14="http://schemas.microsoft.com/office/powerpoint/2010/main" val="80188728"/>
       </p:ext>
     </p:extLst>
   </p:cSld>
@@ -1905,7 +1905,7 @@
           <p:cNvPr id="2" name="标题 1">
             <a:extLst>
               <a:ext uri="{FF2B5EF4-FFF2-40B4-BE49-F238E27FC236}">
-                <a16:creationId xmlns:a16="http://schemas.microsoft.com/office/drawing/2014/main" id="{438EF36A-5FA5-87FF-6AA0-44798CD0DCFF}"/>
+                <a16:creationId xmlns:a16="http://schemas.microsoft.com/office/drawing/2014/main" id="{30925A37-311F-A840-AA9D-83535CC37F46}"/>
               </a:ext>
             </a:extLst>
           </p:cNvPr>
@@ -1933,7 +1933,7 @@
           <p:cNvPr id="3" name="日期占位符 2">
             <a:extLst>
               <a:ext uri="{FF2B5EF4-FFF2-40B4-BE49-F238E27FC236}">
-                <a16:creationId xmlns:a16="http://schemas.microsoft.com/office/drawing/2014/main" id="{6D1A9F60-EED7-488B-6C33-AED0B43C08AD}"/>
+                <a16:creationId xmlns:a16="http://schemas.microsoft.com/office/drawing/2014/main" id="{43787F85-BFCB-0691-4A8B-F95946A72E3C}"/>
               </a:ext>
             </a:extLst>
           </p:cNvPr>
@@ -1949,7 +1949,7 @@
           <a:bodyPr/>
           <a:lstStyle/>
           <a:p>
-            <a:fld id="{D5D8D6EE-DD9E-4594-8198-AB67CB7E5207}" type="datetimeFigureOut">
+            <a:fld id="{28EC7AD0-6A69-4662-A3C5-8C897E88436D}" type="datetimeFigureOut">
               <a:rPr lang="zh-CN" altLang="en-US" smtClean="0"/>
               <a:t>2024/3/10</a:t>
             </a:fld>
@@ -1962,7 +1962,7 @@
           <p:cNvPr id="4" name="页脚占位符 3">
             <a:extLst>
               <a:ext uri="{FF2B5EF4-FFF2-40B4-BE49-F238E27FC236}">
-                <a16:creationId xmlns:a16="http://schemas.microsoft.com/office/drawing/2014/main" id="{2F92039B-49A5-B169-9058-E81A11401B8A}"/>
+                <a16:creationId xmlns:a16="http://schemas.microsoft.com/office/drawing/2014/main" id="{7F1C3D16-32F7-60CF-29D1-940DA0C6D124}"/>
               </a:ext>
             </a:extLst>
           </p:cNvPr>
@@ -1987,7 +1987,7 @@
           <p:cNvPr id="5" name="灯片编号占位符 4">
             <a:extLst>
               <a:ext uri="{FF2B5EF4-FFF2-40B4-BE49-F238E27FC236}">
-                <a16:creationId xmlns:a16="http://schemas.microsoft.com/office/drawing/2014/main" id="{A4ACA1FE-3FF1-8039-588B-1D113D623F12}"/>
+                <a16:creationId xmlns:a16="http://schemas.microsoft.com/office/drawing/2014/main" id="{66E25B17-2700-C84A-51AE-14A85AFBA403}"/>
               </a:ext>
             </a:extLst>
           </p:cNvPr>
@@ -2003,7 +2003,7 @@
           <a:bodyPr/>
           <a:lstStyle/>
           <a:p>
-            <a:fld id="{B3810E85-B779-4BB3-AC85-EDA61735E372}" type="slidenum">
+            <a:fld id="{A9E7F4FB-A0F2-471D-9FC0-CF0F8AB5BF0D}" type="slidenum">
               <a:rPr lang="zh-CN" altLang="en-US" smtClean="0"/>
               <a:t>‹#›</a:t>
             </a:fld>
@@ -2014,7 +2014,7 @@
     </p:spTree>
     <p:extLst>
       <p:ext uri="{BB962C8B-B14F-4D97-AF65-F5344CB8AC3E}">
-        <p14:creationId xmlns:p14="http://schemas.microsoft.com/office/powerpoint/2010/main" val="3588117960"/>
+        <p14:creationId xmlns:p14="http://schemas.microsoft.com/office/powerpoint/2010/main" val="1217448719"/>
       </p:ext>
     </p:extLst>
   </p:cSld>
@@ -2046,7 +2046,7 @@
           <p:cNvPr id="2" name="日期占位符 1">
             <a:extLst>
               <a:ext uri="{FF2B5EF4-FFF2-40B4-BE49-F238E27FC236}">
-                <a16:creationId xmlns:a16="http://schemas.microsoft.com/office/drawing/2014/main" id="{FABDAECB-BA71-15AE-1534-2444AC53A90A}"/>
+                <a16:creationId xmlns:a16="http://schemas.microsoft.com/office/drawing/2014/main" id="{F0A2FE1D-E873-39D3-9366-7DDA046218C0}"/>
               </a:ext>
             </a:extLst>
           </p:cNvPr>
@@ -2062,7 +2062,7 @@
           <a:bodyPr/>
           <a:lstStyle/>
           <a:p>
-            <a:fld id="{D5D8D6EE-DD9E-4594-8198-AB67CB7E5207}" type="datetimeFigureOut">
+            <a:fld id="{28EC7AD0-6A69-4662-A3C5-8C897E88436D}" type="datetimeFigureOut">
               <a:rPr lang="zh-CN" altLang="en-US" smtClean="0"/>
               <a:t>2024/3/10</a:t>
             </a:fld>
@@ -2075,7 +2075,7 @@
           <p:cNvPr id="3" name="页脚占位符 2">
             <a:extLst>
               <a:ext uri="{FF2B5EF4-FFF2-40B4-BE49-F238E27FC236}">
-                <a16:creationId xmlns:a16="http://schemas.microsoft.com/office/drawing/2014/main" id="{D3F81F80-78FC-1449-6B49-7E95FAFB484D}"/>
+                <a16:creationId xmlns:a16="http://schemas.microsoft.com/office/drawing/2014/main" id="{8876D754-96B8-E88A-7F20-0CF4A8C7C349}"/>
               </a:ext>
             </a:extLst>
           </p:cNvPr>
@@ -2100,7 +2100,7 @@
           <p:cNvPr id="4" name="灯片编号占位符 3">
             <a:extLst>
               <a:ext uri="{FF2B5EF4-FFF2-40B4-BE49-F238E27FC236}">
-                <a16:creationId xmlns:a16="http://schemas.microsoft.com/office/drawing/2014/main" id="{A6E5FF3B-7DE1-D832-FAE5-1E8106795184}"/>
+                <a16:creationId xmlns:a16="http://schemas.microsoft.com/office/drawing/2014/main" id="{4BF3354C-767D-8424-2A66-B6EFE6D4A481}"/>
               </a:ext>
             </a:extLst>
           </p:cNvPr>
@@ -2116,7 +2116,7 @@
           <a:bodyPr/>
           <a:lstStyle/>
           <a:p>
-            <a:fld id="{B3810E85-B779-4BB3-AC85-EDA61735E372}" type="slidenum">
+            <a:fld id="{A9E7F4FB-A0F2-471D-9FC0-CF0F8AB5BF0D}" type="slidenum">
               <a:rPr lang="zh-CN" altLang="en-US" smtClean="0"/>
               <a:t>‹#›</a:t>
             </a:fld>
@@ -2127,7 +2127,7 @@
     </p:spTree>
     <p:extLst>
       <p:ext uri="{BB962C8B-B14F-4D97-AF65-F5344CB8AC3E}">
-        <p14:creationId xmlns:p14="http://schemas.microsoft.com/office/powerpoint/2010/main" val="1586091052"/>
+        <p14:creationId xmlns:p14="http://schemas.microsoft.com/office/powerpoint/2010/main" val="1121940276"/>
       </p:ext>
     </p:extLst>
   </p:cSld>
@@ -2159,7 +2159,7 @@
           <p:cNvPr id="2" name="标题 1">
             <a:extLst>
               <a:ext uri="{FF2B5EF4-FFF2-40B4-BE49-F238E27FC236}">
-                <a16:creationId xmlns:a16="http://schemas.microsoft.com/office/drawing/2014/main" id="{E1E584E6-7E11-873D-7476-BA9613B7B8C8}"/>
+                <a16:creationId xmlns:a16="http://schemas.microsoft.com/office/drawing/2014/main" id="{D8C9D301-01B0-FF6D-E84A-148E677CB8B8}"/>
               </a:ext>
             </a:extLst>
           </p:cNvPr>
@@ -2196,7 +2196,7 @@
           <p:cNvPr id="3" name="内容占位符 2">
             <a:extLst>
               <a:ext uri="{FF2B5EF4-FFF2-40B4-BE49-F238E27FC236}">
-                <a16:creationId xmlns:a16="http://schemas.microsoft.com/office/drawing/2014/main" id="{CDCFB4EC-9543-241E-BA45-966187CD139D}"/>
+                <a16:creationId xmlns:a16="http://schemas.microsoft.com/office/drawing/2014/main" id="{BCF61366-C949-93C1-2CB8-0D4C11DAB11A}"/>
               </a:ext>
             </a:extLst>
           </p:cNvPr>
@@ -2286,7 +2286,7 @@
           <p:cNvPr id="4" name="文本占位符 3">
             <a:extLst>
               <a:ext uri="{FF2B5EF4-FFF2-40B4-BE49-F238E27FC236}">
-                <a16:creationId xmlns:a16="http://schemas.microsoft.com/office/drawing/2014/main" id="{5C5CA9D1-8FCA-FAA0-0221-A7FA640D16D3}"/>
+                <a16:creationId xmlns:a16="http://schemas.microsoft.com/office/drawing/2014/main" id="{9E327404-95BA-08D3-2BDB-5603F6E6B4BA}"/>
               </a:ext>
             </a:extLst>
           </p:cNvPr>
@@ -2357,7 +2357,7 @@
           <p:cNvPr id="5" name="日期占位符 4">
             <a:extLst>
               <a:ext uri="{FF2B5EF4-FFF2-40B4-BE49-F238E27FC236}">
-                <a16:creationId xmlns:a16="http://schemas.microsoft.com/office/drawing/2014/main" id="{9AB5E32D-3CB9-FB72-34C1-087DDB1D3B27}"/>
+                <a16:creationId xmlns:a16="http://schemas.microsoft.com/office/drawing/2014/main" id="{23524BCC-61DF-003E-71CD-910A555DFFD6}"/>
               </a:ext>
             </a:extLst>
           </p:cNvPr>
@@ -2373,7 +2373,7 @@
           <a:bodyPr/>
           <a:lstStyle/>
           <a:p>
-            <a:fld id="{D5D8D6EE-DD9E-4594-8198-AB67CB7E5207}" type="datetimeFigureOut">
+            <a:fld id="{28EC7AD0-6A69-4662-A3C5-8C897E88436D}" type="datetimeFigureOut">
               <a:rPr lang="zh-CN" altLang="en-US" smtClean="0"/>
               <a:t>2024/3/10</a:t>
             </a:fld>
@@ -2386,7 +2386,7 @@
           <p:cNvPr id="6" name="页脚占位符 5">
             <a:extLst>
               <a:ext uri="{FF2B5EF4-FFF2-40B4-BE49-F238E27FC236}">
-                <a16:creationId xmlns:a16="http://schemas.microsoft.com/office/drawing/2014/main" id="{D4C96DC1-EC56-AD3E-789F-A0E51A6DA8BC}"/>
+                <a16:creationId xmlns:a16="http://schemas.microsoft.com/office/drawing/2014/main" id="{7BDE7C00-B1C0-5351-365E-F252347E0419}"/>
               </a:ext>
             </a:extLst>
           </p:cNvPr>
@@ -2411,7 +2411,7 @@
           <p:cNvPr id="7" name="灯片编号占位符 6">
             <a:extLst>
               <a:ext uri="{FF2B5EF4-FFF2-40B4-BE49-F238E27FC236}">
-                <a16:creationId xmlns:a16="http://schemas.microsoft.com/office/drawing/2014/main" id="{CA7520FE-F256-4BC3-35C4-3E8E50D63271}"/>
+                <a16:creationId xmlns:a16="http://schemas.microsoft.com/office/drawing/2014/main" id="{BD8645FE-0123-4B85-DD19-0757B9CF26EF}"/>
               </a:ext>
             </a:extLst>
           </p:cNvPr>
@@ -2427,7 +2427,7 @@
           <a:bodyPr/>
           <a:lstStyle/>
           <a:p>
-            <a:fld id="{B3810E85-B779-4BB3-AC85-EDA61735E372}" type="slidenum">
+            <a:fld id="{A9E7F4FB-A0F2-471D-9FC0-CF0F8AB5BF0D}" type="slidenum">
               <a:rPr lang="zh-CN" altLang="en-US" smtClean="0"/>
               <a:t>‹#›</a:t>
             </a:fld>
@@ -2438,7 +2438,7 @@
     </p:spTree>
     <p:extLst>
       <p:ext uri="{BB962C8B-B14F-4D97-AF65-F5344CB8AC3E}">
-        <p14:creationId xmlns:p14="http://schemas.microsoft.com/office/powerpoint/2010/main" val="4002810156"/>
+        <p14:creationId xmlns:p14="http://schemas.microsoft.com/office/powerpoint/2010/main" val="3951724763"/>
       </p:ext>
     </p:extLst>
   </p:cSld>
@@ -2470,7 +2470,7 @@
           <p:cNvPr id="2" name="标题 1">
             <a:extLst>
               <a:ext uri="{FF2B5EF4-FFF2-40B4-BE49-F238E27FC236}">
-                <a16:creationId xmlns:a16="http://schemas.microsoft.com/office/drawing/2014/main" id="{28B9C6D3-001E-98D7-E373-99556353F174}"/>
+                <a16:creationId xmlns:a16="http://schemas.microsoft.com/office/drawing/2014/main" id="{EBE852E8-ED74-5E71-03A1-9A77CE78085C}"/>
               </a:ext>
             </a:extLst>
           </p:cNvPr>
@@ -2507,7 +2507,7 @@
           <p:cNvPr id="3" name="图片占位符 2">
             <a:extLst>
               <a:ext uri="{FF2B5EF4-FFF2-40B4-BE49-F238E27FC236}">
-                <a16:creationId xmlns:a16="http://schemas.microsoft.com/office/drawing/2014/main" id="{CCA5ECF6-0199-0A5C-F919-D4FBA85D63C8}"/>
+                <a16:creationId xmlns:a16="http://schemas.microsoft.com/office/drawing/2014/main" id="{455F8D17-25A8-5035-60A0-F45F12E0ED32}"/>
               </a:ext>
             </a:extLst>
           </p:cNvPr>
@@ -2574,7 +2574,7 @@
           <p:cNvPr id="4" name="文本占位符 3">
             <a:extLst>
               <a:ext uri="{FF2B5EF4-FFF2-40B4-BE49-F238E27FC236}">
-                <a16:creationId xmlns:a16="http://schemas.microsoft.com/office/drawing/2014/main" id="{4A421C56-6A3F-3C0F-97AE-E36B0DB46CA6}"/>
+                <a16:creationId xmlns:a16="http://schemas.microsoft.com/office/drawing/2014/main" id="{800F93C5-184C-9401-B761-7435B13F1132}"/>
               </a:ext>
             </a:extLst>
           </p:cNvPr>
@@ -2645,7 +2645,7 @@
           <p:cNvPr id="5" name="日期占位符 4">
             <a:extLst>
               <a:ext uri="{FF2B5EF4-FFF2-40B4-BE49-F238E27FC236}">
-                <a16:creationId xmlns:a16="http://schemas.microsoft.com/office/drawing/2014/main" id="{C6EC55C2-D6D2-D631-6E7C-DC23CC9B5DA0}"/>
+                <a16:creationId xmlns:a16="http://schemas.microsoft.com/office/drawing/2014/main" id="{37912626-B9D6-DDA2-1ABC-1CCD6753044C}"/>
               </a:ext>
             </a:extLst>
           </p:cNvPr>
@@ -2661,7 +2661,7 @@
           <a:bodyPr/>
           <a:lstStyle/>
           <a:p>
-            <a:fld id="{D5D8D6EE-DD9E-4594-8198-AB67CB7E5207}" type="datetimeFigureOut">
+            <a:fld id="{28EC7AD0-6A69-4662-A3C5-8C897E88436D}" type="datetimeFigureOut">
               <a:rPr lang="zh-CN" altLang="en-US" smtClean="0"/>
               <a:t>2024/3/10</a:t>
             </a:fld>
@@ -2674,7 +2674,7 @@
           <p:cNvPr id="6" name="页脚占位符 5">
             <a:extLst>
               <a:ext uri="{FF2B5EF4-FFF2-40B4-BE49-F238E27FC236}">
-                <a16:creationId xmlns:a16="http://schemas.microsoft.com/office/drawing/2014/main" id="{04DD5374-14D5-459D-C84F-0C1D6711A3EF}"/>
+                <a16:creationId xmlns:a16="http://schemas.microsoft.com/office/drawing/2014/main" id="{1AF98498-4642-76BC-88C4-D2DBCE0ED7E7}"/>
               </a:ext>
             </a:extLst>
           </p:cNvPr>
@@ -2699,7 +2699,7 @@
           <p:cNvPr id="7" name="灯片编号占位符 6">
             <a:extLst>
               <a:ext uri="{FF2B5EF4-FFF2-40B4-BE49-F238E27FC236}">
-                <a16:creationId xmlns:a16="http://schemas.microsoft.com/office/drawing/2014/main" id="{40655B6B-5681-83D9-D3E8-674232DB6B47}"/>
+                <a16:creationId xmlns:a16="http://schemas.microsoft.com/office/drawing/2014/main" id="{80CB9368-108E-E75E-CB28-F5C1EA2871DE}"/>
               </a:ext>
             </a:extLst>
           </p:cNvPr>
@@ -2715,7 +2715,7 @@
           <a:bodyPr/>
           <a:lstStyle/>
           <a:p>
-            <a:fld id="{B3810E85-B779-4BB3-AC85-EDA61735E372}" type="slidenum">
+            <a:fld id="{A9E7F4FB-A0F2-471D-9FC0-CF0F8AB5BF0D}" type="slidenum">
               <a:rPr lang="zh-CN" altLang="en-US" smtClean="0"/>
               <a:t>‹#›</a:t>
             </a:fld>
@@ -2726,7 +2726,7 @@
     </p:spTree>
     <p:extLst>
       <p:ext uri="{BB962C8B-B14F-4D97-AF65-F5344CB8AC3E}">
-        <p14:creationId xmlns:p14="http://schemas.microsoft.com/office/powerpoint/2010/main" val="3147268351"/>
+        <p14:creationId xmlns:p14="http://schemas.microsoft.com/office/powerpoint/2010/main" val="2751649181"/>
       </p:ext>
     </p:extLst>
   </p:cSld>
@@ -2763,7 +2763,7 @@
           <p:cNvPr id="2" name="标题占位符 1">
             <a:extLst>
               <a:ext uri="{FF2B5EF4-FFF2-40B4-BE49-F238E27FC236}">
-                <a16:creationId xmlns:a16="http://schemas.microsoft.com/office/drawing/2014/main" id="{99AED9CF-DE1D-DCE5-E7E9-69F2C362A958}"/>
+                <a16:creationId xmlns:a16="http://schemas.microsoft.com/office/drawing/2014/main" id="{ADE603A6-12E8-6B14-2876-B5935CFA5A68}"/>
               </a:ext>
             </a:extLst>
           </p:cNvPr>
@@ -2801,7 +2801,7 @@
           <p:cNvPr id="3" name="文本占位符 2">
             <a:extLst>
               <a:ext uri="{FF2B5EF4-FFF2-40B4-BE49-F238E27FC236}">
-                <a16:creationId xmlns:a16="http://schemas.microsoft.com/office/drawing/2014/main" id="{3A146EF1-98DC-CC7F-D843-C2B56B563D3F}"/>
+                <a16:creationId xmlns:a16="http://schemas.microsoft.com/office/drawing/2014/main" id="{F3E0A4CA-BD19-CDDB-A9EE-B7E154AA075A}"/>
               </a:ext>
             </a:extLst>
           </p:cNvPr>
@@ -2868,7 +2868,7 @@
           <p:cNvPr id="4" name="日期占位符 3">
             <a:extLst>
               <a:ext uri="{FF2B5EF4-FFF2-40B4-BE49-F238E27FC236}">
-                <a16:creationId xmlns:a16="http://schemas.microsoft.com/office/drawing/2014/main" id="{27F77306-599C-E1AE-4441-4AC956B992D0}"/>
+                <a16:creationId xmlns:a16="http://schemas.microsoft.com/office/drawing/2014/main" id="{29070E35-D82F-1EB8-8296-41E665E9D21E}"/>
               </a:ext>
             </a:extLst>
           </p:cNvPr>
@@ -2902,7 +2902,7 @@
             </a:lvl1pPr>
           </a:lstStyle>
           <a:p>
-            <a:fld id="{D5D8D6EE-DD9E-4594-8198-AB67CB7E5207}" type="datetimeFigureOut">
+            <a:fld id="{28EC7AD0-6A69-4662-A3C5-8C897E88436D}" type="datetimeFigureOut">
               <a:rPr lang="zh-CN" altLang="en-US" smtClean="0"/>
               <a:t>2024/3/10</a:t>
             </a:fld>
@@ -2915,7 +2915,7 @@
           <p:cNvPr id="5" name="页脚占位符 4">
             <a:extLst>
               <a:ext uri="{FF2B5EF4-FFF2-40B4-BE49-F238E27FC236}">
-                <a16:creationId xmlns:a16="http://schemas.microsoft.com/office/drawing/2014/main" id="{DD5C5C1E-088B-DCC6-9D14-C7FBFE723E5C}"/>
+                <a16:creationId xmlns:a16="http://schemas.microsoft.com/office/drawing/2014/main" id="{AED7C4CE-C954-4735-FAFA-2959DCB2BC62}"/>
               </a:ext>
             </a:extLst>
           </p:cNvPr>
@@ -2958,7 +2958,7 @@
           <p:cNvPr id="6" name="灯片编号占位符 5">
             <a:extLst>
               <a:ext uri="{FF2B5EF4-FFF2-40B4-BE49-F238E27FC236}">
-                <a16:creationId xmlns:a16="http://schemas.microsoft.com/office/drawing/2014/main" id="{791871CD-B23C-86C3-F2CA-D34B25E0BE69}"/>
+                <a16:creationId xmlns:a16="http://schemas.microsoft.com/office/drawing/2014/main" id="{9207D5BB-829A-475A-A515-657BB11775AE}"/>
               </a:ext>
             </a:extLst>
           </p:cNvPr>
@@ -2992,7 +2992,7 @@
             </a:lvl1pPr>
           </a:lstStyle>
           <a:p>
-            <a:fld id="{B3810E85-B779-4BB3-AC85-EDA61735E372}" type="slidenum">
+            <a:fld id="{A9E7F4FB-A0F2-471D-9FC0-CF0F8AB5BF0D}" type="slidenum">
               <a:rPr lang="zh-CN" altLang="en-US" smtClean="0"/>
               <a:t>‹#›</a:t>
             </a:fld>
@@ -3003,7 +3003,7 @@
     </p:spTree>
     <p:extLst>
       <p:ext uri="{BB962C8B-B14F-4D97-AF65-F5344CB8AC3E}">
-        <p14:creationId xmlns:p14="http://schemas.microsoft.com/office/powerpoint/2010/main" val="1093323501"/>
+        <p14:creationId xmlns:p14="http://schemas.microsoft.com/office/powerpoint/2010/main" val="3986574112"/>
       </p:ext>
     </p:extLst>
   </p:cSld>
@@ -3323,7 +3323,7 @@
       </p:grpSpPr>
       <p:pic>
         <p:nvPicPr>
-          <p:cNvPr id="1057794" name="Picture 2" descr="1032"/>
+          <p:cNvPr id="1058818" name="Picture 2" descr="1033"/>
           <p:cNvPicPr>
             <a:picLocks noChangeAspect="1" noChangeArrowheads="1"/>
           </p:cNvPicPr>
@@ -3344,8 +3344,8 @@
         </p:blipFill>
         <p:spPr bwMode="auto">
           <a:xfrm>
-            <a:off x="1543050" y="1"/>
-            <a:ext cx="9124950" cy="6843713"/>
+            <a:off x="1543050" y="14288"/>
+            <a:ext cx="9124950" cy="6843712"/>
           </a:xfrm>
           <a:prstGeom prst="rect">
             <a:avLst/>
